--- a/lesson09.pptx
+++ b/lesson09.pptx
@@ -144,7 +144,7 @@
 <file path=ppt/revisionInfo.xml><?xml version="1.0" encoding="utf-8"?>
 <p1510:revInfo xmlns:a="http://schemas.openxmlformats.org/drawingml/2006/main" xmlns:r="http://schemas.openxmlformats.org/officeDocument/2006/relationships" xmlns:p1510="http://schemas.microsoft.com/office/powerpoint/2015/10/main">
   <p1510:revLst>
-    <p1510:client id="{52EC4F4B-A43D-4DA6-9A13-0357EAFCE3D0}" v="2" dt="2021-06-07T08:07:29.382"/>
+    <p1510:client id="{1CEF5A7E-883F-4C48-B5CF-ACA16F86EEB7}" v="1" dt="2021-10-08T06:58:39.238"/>
   </p1510:revLst>
 </p1510:revInfo>
 </file>
@@ -207,6 +207,102 @@
           <pc:docMk/>
           <pc:sldMk cId="869411855" sldId="660"/>
         </pc:sldMkLst>
+      </pc:sldChg>
+    </pc:docChg>
+  </pc:docChgLst>
+  <pc:docChgLst>
+    <pc:chgData name="Anatoliy Kigel" userId="7432c6c4687b0a9c" providerId="LiveId" clId="{52EC4F4B-A43D-4DA6-9A13-0357EAFCE3D0}"/>
+    <pc:docChg chg="modSld">
+      <pc:chgData name="Anatoliy Kigel" userId="7432c6c4687b0a9c" providerId="LiveId" clId="{52EC4F4B-A43D-4DA6-9A13-0357EAFCE3D0}" dt="2021-06-07T08:07:31.727" v="5" actId="6549"/>
+      <pc:docMkLst>
+        <pc:docMk/>
+      </pc:docMkLst>
+      <pc:sldChg chg="modSp mod">
+        <pc:chgData name="Anatoliy Kigel" userId="7432c6c4687b0a9c" providerId="LiveId" clId="{52EC4F4B-A43D-4DA6-9A13-0357EAFCE3D0}" dt="2021-06-07T08:07:31.727" v="5" actId="6549"/>
+        <pc:sldMkLst>
+          <pc:docMk/>
+          <pc:sldMk cId="1278679325" sldId="623"/>
+        </pc:sldMkLst>
+        <pc:spChg chg="mod">
+          <ac:chgData name="Anatoliy Kigel" userId="7432c6c4687b0a9c" providerId="LiveId" clId="{52EC4F4B-A43D-4DA6-9A13-0357EAFCE3D0}" dt="2021-06-07T08:07:31.727" v="5" actId="6549"/>
+          <ac:spMkLst>
+            <pc:docMk/>
+            <pc:sldMk cId="1278679325" sldId="623"/>
+            <ac:spMk id="8" creationId="{00000000-0000-0000-0000-000000000000}"/>
+          </ac:spMkLst>
+        </pc:spChg>
+      </pc:sldChg>
+    </pc:docChg>
+  </pc:docChgLst>
+  <pc:docChgLst>
+    <pc:chgData name="Anatoliy Kigel" userId="7432c6c4687b0a9c" providerId="LiveId" clId="{1CEF5A7E-883F-4C48-B5CF-ACA16F86EEB7}"/>
+    <pc:docChg chg="undo custSel modSld">
+      <pc:chgData name="Anatoliy Kigel" userId="7432c6c4687b0a9c" providerId="LiveId" clId="{1CEF5A7E-883F-4C48-B5CF-ACA16F86EEB7}" dt="2021-10-08T07:00:19.197" v="97" actId="26606"/>
+      <pc:docMkLst>
+        <pc:docMk/>
+      </pc:docMkLst>
+      <pc:sldChg chg="addSp delSp modSp mod modClrScheme chgLayout">
+        <pc:chgData name="Anatoliy Kigel" userId="7432c6c4687b0a9c" providerId="LiveId" clId="{1CEF5A7E-883F-4C48-B5CF-ACA16F86EEB7}" dt="2021-10-08T07:00:19.197" v="97" actId="26606"/>
+        <pc:sldMkLst>
+          <pc:docMk/>
+          <pc:sldMk cId="971587495" sldId="655"/>
+        </pc:sldMkLst>
+        <pc:spChg chg="add mod">
+          <ac:chgData name="Anatoliy Kigel" userId="7432c6c4687b0a9c" providerId="LiveId" clId="{1CEF5A7E-883F-4C48-B5CF-ACA16F86EEB7}" dt="2021-10-08T07:00:19.197" v="97" actId="26606"/>
+          <ac:spMkLst>
+            <pc:docMk/>
+            <pc:sldMk cId="971587495" sldId="655"/>
+            <ac:spMk id="5" creationId="{249EDB17-97C8-42D1-B33E-F5C34CAB7190}"/>
+          </ac:spMkLst>
+        </pc:spChg>
+        <pc:spChg chg="add mod">
+          <ac:chgData name="Anatoliy Kigel" userId="7432c6c4687b0a9c" providerId="LiveId" clId="{1CEF5A7E-883F-4C48-B5CF-ACA16F86EEB7}" dt="2021-10-08T07:00:19.197" v="97" actId="26606"/>
+          <ac:spMkLst>
+            <pc:docMk/>
+            <pc:sldMk cId="971587495" sldId="655"/>
+            <ac:spMk id="6" creationId="{3F2FBC8A-8374-4ECB-9C18-A8FE387CCF4E}"/>
+          </ac:spMkLst>
+        </pc:spChg>
+        <pc:spChg chg="add del mod">
+          <ac:chgData name="Anatoliy Kigel" userId="7432c6c4687b0a9c" providerId="LiveId" clId="{1CEF5A7E-883F-4C48-B5CF-ACA16F86EEB7}" dt="2021-10-08T07:00:19.197" v="97" actId="26606"/>
+          <ac:spMkLst>
+            <pc:docMk/>
+            <pc:sldMk cId="971587495" sldId="655"/>
+            <ac:spMk id="11" creationId="{3ED99F4F-4FEF-4722-A88E-551B40CD1294}"/>
+          </ac:spMkLst>
+        </pc:spChg>
+        <pc:spChg chg="add del mod">
+          <ac:chgData name="Anatoliy Kigel" userId="7432c6c4687b0a9c" providerId="LiveId" clId="{1CEF5A7E-883F-4C48-B5CF-ACA16F86EEB7}" dt="2021-10-08T07:00:19.197" v="97" actId="26606"/>
+          <ac:spMkLst>
+            <pc:docMk/>
+            <pc:sldMk cId="971587495" sldId="655"/>
+            <ac:spMk id="13" creationId="{3DF907DD-701F-4EDE-B2AB-01874061201C}"/>
+          </ac:spMkLst>
+        </pc:spChg>
+        <pc:spChg chg="add del mod">
+          <ac:chgData name="Anatoliy Kigel" userId="7432c6c4687b0a9c" providerId="LiveId" clId="{1CEF5A7E-883F-4C48-B5CF-ACA16F86EEB7}" dt="2021-10-08T07:00:19.197" v="97" actId="26606"/>
+          <ac:spMkLst>
+            <pc:docMk/>
+            <pc:sldMk cId="971587495" sldId="655"/>
+            <ac:spMk id="15" creationId="{ECB576FE-8F4C-42D7-BF5C-D5A3F8D9488A}"/>
+          </ac:spMkLst>
+        </pc:spChg>
+        <pc:picChg chg="del">
+          <ac:chgData name="Anatoliy Kigel" userId="7432c6c4687b0a9c" providerId="LiveId" clId="{1CEF5A7E-883F-4C48-B5CF-ACA16F86EEB7}" dt="2021-10-08T06:58:28.293" v="0" actId="478"/>
+          <ac:picMkLst>
+            <pc:docMk/>
+            <pc:sldMk cId="971587495" sldId="655"/>
+            <ac:picMk id="2" creationId="{00000000-0000-0000-0000-000000000000}"/>
+          </ac:picMkLst>
+        </pc:picChg>
+        <pc:picChg chg="add mod ord">
+          <ac:chgData name="Anatoliy Kigel" userId="7432c6c4687b0a9c" providerId="LiveId" clId="{1CEF5A7E-883F-4C48-B5CF-ACA16F86EEB7}" dt="2021-10-08T07:00:19.197" v="97" actId="26606"/>
+          <ac:picMkLst>
+            <pc:docMk/>
+            <pc:sldMk cId="971587495" sldId="655"/>
+            <ac:picMk id="4" creationId="{5F5FA12D-58E4-4488-A1F1-652A6B6B060F}"/>
+          </ac:picMkLst>
+        </pc:picChg>
       </pc:sldChg>
     </pc:docChg>
   </pc:docChgLst>
@@ -281,30 +377,6 @@
       </pc:sldChg>
     </pc:docChg>
   </pc:docChgLst>
-  <pc:docChgLst>
-    <pc:chgData name="Anatoliy Kigel" userId="7432c6c4687b0a9c" providerId="LiveId" clId="{52EC4F4B-A43D-4DA6-9A13-0357EAFCE3D0}"/>
-    <pc:docChg chg="modSld">
-      <pc:chgData name="Anatoliy Kigel" userId="7432c6c4687b0a9c" providerId="LiveId" clId="{52EC4F4B-A43D-4DA6-9A13-0357EAFCE3D0}" dt="2021-06-07T08:07:31.727" v="5" actId="6549"/>
-      <pc:docMkLst>
-        <pc:docMk/>
-      </pc:docMkLst>
-      <pc:sldChg chg="modSp mod">
-        <pc:chgData name="Anatoliy Kigel" userId="7432c6c4687b0a9c" providerId="LiveId" clId="{52EC4F4B-A43D-4DA6-9A13-0357EAFCE3D0}" dt="2021-06-07T08:07:31.727" v="5" actId="6549"/>
-        <pc:sldMkLst>
-          <pc:docMk/>
-          <pc:sldMk cId="1278679325" sldId="623"/>
-        </pc:sldMkLst>
-        <pc:spChg chg="mod">
-          <ac:chgData name="Anatoliy Kigel" userId="7432c6c4687b0a9c" providerId="LiveId" clId="{52EC4F4B-A43D-4DA6-9A13-0357EAFCE3D0}" dt="2021-06-07T08:07:31.727" v="5" actId="6549"/>
-          <ac:spMkLst>
-            <pc:docMk/>
-            <pc:sldMk cId="1278679325" sldId="623"/>
-            <ac:spMk id="8" creationId="{00000000-0000-0000-0000-000000000000}"/>
-          </ac:spMkLst>
-        </pc:spChg>
-      </pc:sldChg>
-    </pc:docChg>
-  </pc:docChgLst>
 </pc:chgInfo>
 </file>
 
@@ -391,7 +463,7 @@
             <a:fld id="{85522811-C5C6-42D2-A409-F8556720C93F}" type="datetimeFigureOut">
               <a:rPr lang="uk-UA" smtClean="0"/>
               <a:pPr/>
-              <a:t>28.07.2021</a:t>
+              <a:t>08.10.2021</a:t>
             </a:fld>
             <a:endParaRPr lang="uk-UA" dirty="0"/>
           </a:p>
@@ -936,7 +1008,7 @@
             <a:fld id="{0A2E6AC4-C3FE-4E70-88D1-136405B25267}" type="datetime1">
               <a:rPr lang="uk-UA" smtClean="0"/>
               <a:pPr/>
-              <a:t>28.07.2021</a:t>
+              <a:t>08.10.2021</a:t>
             </a:fld>
             <a:endParaRPr lang="uk-UA" dirty="0"/>
           </a:p>
@@ -1103,7 +1175,7 @@
             <a:fld id="{B4D85949-5AE9-41F1-B18C-DA1006B0E8CC}" type="datetime1">
               <a:rPr lang="uk-UA" smtClean="0"/>
               <a:pPr/>
-              <a:t>28.07.2021</a:t>
+              <a:t>08.10.2021</a:t>
             </a:fld>
             <a:endParaRPr lang="uk-UA" dirty="0"/>
           </a:p>
@@ -1280,7 +1352,7 @@
             <a:fld id="{B20C227C-94C5-4BA1-A89C-1C7570144B22}" type="datetime1">
               <a:rPr lang="uk-UA" smtClean="0"/>
               <a:pPr/>
-              <a:t>28.07.2021</a:t>
+              <a:t>08.10.2021</a:t>
             </a:fld>
             <a:endParaRPr lang="uk-UA" dirty="0"/>
           </a:p>
@@ -1447,7 +1519,7 @@
             <a:fld id="{68E2E168-B245-4D8D-8538-B29990DBF87B}" type="datetime1">
               <a:rPr lang="uk-UA" smtClean="0"/>
               <a:pPr/>
-              <a:t>28.07.2021</a:t>
+              <a:t>08.10.2021</a:t>
             </a:fld>
             <a:endParaRPr lang="uk-UA" dirty="0"/>
           </a:p>
@@ -1690,7 +1762,7 @@
             <a:fld id="{356DAF6E-7007-4E61-B36E-794BF232B234}" type="datetime1">
               <a:rPr lang="uk-UA" smtClean="0"/>
               <a:pPr/>
-              <a:t>28.07.2021</a:t>
+              <a:t>08.10.2021</a:t>
             </a:fld>
             <a:endParaRPr lang="uk-UA" dirty="0"/>
           </a:p>
@@ -1975,7 +2047,7 @@
             <a:fld id="{4B2141DD-FE72-44AA-B946-B70892F1F5B7}" type="datetime1">
               <a:rPr lang="uk-UA" smtClean="0"/>
               <a:pPr/>
-              <a:t>28.07.2021</a:t>
+              <a:t>08.10.2021</a:t>
             </a:fld>
             <a:endParaRPr lang="uk-UA" dirty="0"/>
           </a:p>
@@ -2394,7 +2466,7 @@
             <a:fld id="{D1C4DC7C-6CC4-4D1F-A21B-A650800E0532}" type="datetime1">
               <a:rPr lang="uk-UA" smtClean="0"/>
               <a:pPr/>
-              <a:t>28.07.2021</a:t>
+              <a:t>08.10.2021</a:t>
             </a:fld>
             <a:endParaRPr lang="uk-UA" dirty="0"/>
           </a:p>
@@ -2509,7 +2581,7 @@
             <a:fld id="{09E753FA-BE70-4E9D-A1A2-A798C2E22C2C}" type="datetime1">
               <a:rPr lang="uk-UA" smtClean="0"/>
               <a:pPr/>
-              <a:t>28.07.2021</a:t>
+              <a:t>08.10.2021</a:t>
             </a:fld>
             <a:endParaRPr lang="uk-UA" dirty="0"/>
           </a:p>
@@ -2601,7 +2673,7 @@
             <a:fld id="{BC4E9D1B-A194-48C6-B5A1-4C29D0F81227}" type="datetime1">
               <a:rPr lang="uk-UA" smtClean="0"/>
               <a:pPr/>
-              <a:t>28.07.2021</a:t>
+              <a:t>08.10.2021</a:t>
             </a:fld>
             <a:endParaRPr lang="uk-UA" dirty="0"/>
           </a:p>
@@ -2875,7 +2947,7 @@
             <a:fld id="{98DC5B78-3AEE-4E8C-84A2-DF8B252C6B7D}" type="datetime1">
               <a:rPr lang="uk-UA" smtClean="0"/>
               <a:pPr/>
-              <a:t>28.07.2021</a:t>
+              <a:t>08.10.2021</a:t>
             </a:fld>
             <a:endParaRPr lang="uk-UA" dirty="0"/>
           </a:p>
@@ -3125,7 +3197,7 @@
             <a:fld id="{08E6AC05-7690-4D29-B090-15CFA8055B58}" type="datetime1">
               <a:rPr lang="uk-UA" smtClean="0"/>
               <a:pPr/>
-              <a:t>28.07.2021</a:t>
+              <a:t>08.10.2021</a:t>
             </a:fld>
             <a:endParaRPr lang="uk-UA" dirty="0"/>
           </a:p>
@@ -3335,7 +3407,7 @@
             <a:fld id="{C4778AB5-85A2-4D58-9351-A198925B541D}" type="datetime1">
               <a:rPr lang="uk-UA" smtClean="0"/>
               <a:pPr/>
-              <a:t>28.07.2021</a:t>
+              <a:t>08.10.2021</a:t>
             </a:fld>
             <a:endParaRPr lang="uk-UA" dirty="0"/>
           </a:p>
@@ -3955,27 +4027,118 @@
       </p:grpSpPr>
       <p:pic>
         <p:nvPicPr>
-          <p:cNvPr id="2" name="Рисунок 1"/>
+          <p:cNvPr id="4" name="Рисунок 3">
+            <a:extLst>
+              <a:ext uri="{FF2B5EF4-FFF2-40B4-BE49-F238E27FC236}">
+                <a16:creationId xmlns:a16="http://schemas.microsoft.com/office/drawing/2014/main" id="{5F5FA12D-58E4-4488-A1F1-652A6B6B060F}"/>
+              </a:ext>
+            </a:extLst>
+          </p:cNvPr>
           <p:cNvPicPr>
             <a:picLocks noChangeAspect="1"/>
           </p:cNvPicPr>
           <p:nvPr/>
         </p:nvPicPr>
-        <p:blipFill rotWithShape="1">
+        <p:blipFill>
           <a:blip r:embed="rId2"/>
-          <a:srcRect l="5435" t="619" r="7338" b="4850"/>
-          <a:stretch/>
+          <a:stretch>
+            <a:fillRect/>
+          </a:stretch>
         </p:blipFill>
         <p:spPr>
           <a:xfrm>
-            <a:off x="0" y="0"/>
-            <a:ext cx="12192000" cy="6858000"/>
+            <a:off x="263352" y="14282"/>
+            <a:ext cx="5413052" cy="6843718"/>
           </a:xfrm>
           <a:prstGeom prst="rect">
             <a:avLst/>
           </a:prstGeom>
         </p:spPr>
       </p:pic>
+      <p:sp>
+        <p:nvSpPr>
+          <p:cNvPr id="5" name="TextBox 4">
+            <a:extLst>
+              <a:ext uri="{FF2B5EF4-FFF2-40B4-BE49-F238E27FC236}">
+                <a16:creationId xmlns:a16="http://schemas.microsoft.com/office/drawing/2014/main" id="{249EDB17-97C8-42D1-B33E-F5C34CAB7190}"/>
+              </a:ext>
+            </a:extLst>
+          </p:cNvPr>
+          <p:cNvSpPr txBox="1"/>
+          <p:nvPr/>
+        </p:nvSpPr>
+        <p:spPr>
+          <a:xfrm>
+            <a:off x="5807968" y="3212976"/>
+            <a:ext cx="4587446" cy="1200329"/>
+          </a:xfrm>
+          <a:prstGeom prst="rect">
+            <a:avLst/>
+          </a:prstGeom>
+          <a:noFill/>
+        </p:spPr>
+        <p:txBody>
+          <a:bodyPr wrap="square" rtlCol="0">
+            <a:spAutoFit/>
+          </a:bodyPr>
+          <a:lstStyle/>
+          <a:p>
+            <a:r>
+              <a:rPr lang="en-US" sz="3600"/>
+              <a:t>Bootstrap </a:t>
+            </a:r>
+            <a:r>
+              <a:rPr lang="ru-RU" sz="3600"/>
+              <a:t>и компонент </a:t>
+            </a:r>
+            <a:r>
+              <a:rPr lang="en-US" sz="3600"/>
+              <a:t>card </a:t>
+            </a:r>
+            <a:r>
+              <a:rPr lang="ru-RU" sz="3600"/>
+              <a:t>вам помогут ;)</a:t>
+            </a:r>
+            <a:endParaRPr lang="uk-UA" sz="3600" dirty="0"/>
+          </a:p>
+        </p:txBody>
+      </p:sp>
+      <p:sp>
+        <p:nvSpPr>
+          <p:cNvPr id="6" name="TextBox 5">
+            <a:extLst>
+              <a:ext uri="{FF2B5EF4-FFF2-40B4-BE49-F238E27FC236}">
+                <a16:creationId xmlns:a16="http://schemas.microsoft.com/office/drawing/2014/main" id="{3F2FBC8A-8374-4ECB-9C18-A8FE387CCF4E}"/>
+              </a:ext>
+            </a:extLst>
+          </p:cNvPr>
+          <p:cNvSpPr txBox="1"/>
+          <p:nvPr/>
+        </p:nvSpPr>
+        <p:spPr>
+          <a:xfrm>
+            <a:off x="5375920" y="1844824"/>
+            <a:ext cx="6309356" cy="830997"/>
+          </a:xfrm>
+          <a:prstGeom prst="rect">
+            <a:avLst/>
+          </a:prstGeom>
+          <a:noFill/>
+        </p:spPr>
+        <p:txBody>
+          <a:bodyPr wrap="none" rtlCol="0">
+            <a:spAutoFit/>
+          </a:bodyPr>
+          <a:lstStyle/>
+          <a:p>
+            <a:r>
+              <a:rPr lang="ru-RU" sz="4800" b="1"/>
+              <a:t>Реализуйте компонент</a:t>
+            </a:r>
+            <a:endParaRPr lang="ru-RU" sz="4800" b="1" dirty="0"/>
+          </a:p>
+        </p:txBody>
+      </p:sp>
     </p:spTree>
     <p:extLst>
       <p:ext uri="{BB962C8B-B14F-4D97-AF65-F5344CB8AC3E}">
